--- a/WritingPractical.pptx
+++ b/WritingPractical.pptx
@@ -30,19 +30,20 @@
     <p:sldId id="316" r:id="rId24"/>
     <p:sldId id="317" r:id="rId25"/>
     <p:sldId id="300" r:id="rId26"/>
-    <p:sldId id="312" r:id="rId27"/>
-    <p:sldId id="320" r:id="rId28"/>
-    <p:sldId id="296" r:id="rId29"/>
+    <p:sldId id="813" r:id="rId27"/>
+    <p:sldId id="312" r:id="rId28"/>
+    <p:sldId id="320" r:id="rId29"/>
+    <p:sldId id="296" r:id="rId30"/>
   </p:sldIdLst>
   <p:sldSz cx="18288000" cy="10287000"/>
   <p:notesSz cx="6858000" cy="9144000"/>
   <p:embeddedFontLst>
     <p:embeddedFont>
       <p:font typeface="Cambria" panose="02040503050406030204" pitchFamily="18" charset="0"/>
-      <p:regular r:id="rId30"/>
-      <p:bold r:id="rId31"/>
-      <p:italic r:id="rId32"/>
-      <p:boldItalic r:id="rId33"/>
+      <p:regular r:id="rId31"/>
+      <p:bold r:id="rId32"/>
+      <p:italic r:id="rId33"/>
+      <p:boldItalic r:id="rId34"/>
     </p:embeddedFont>
   </p:embeddedFontLst>
   <p:defaultTextStyle>
@@ -6045,7 +6046,7 @@
         <p:spPr>
           <a:xfrm>
             <a:off x="8268929" y="1790700"/>
-            <a:ext cx="9982200" cy="5171672"/>
+            <a:ext cx="9982200" cy="5910336"/>
           </a:xfrm>
           <a:prstGeom prst="rect">
             <a:avLst/>
@@ -6166,6 +6167,22 @@
               </a:rPr>
               <a:t>Avoid using too long and unnecessary words</a:t>
             </a:r>
+          </a:p>
+          <a:p>
+            <a:pPr marL="457200" indent="-457200">
+              <a:lnSpc>
+                <a:spcPct val="150000"/>
+              </a:lnSpc>
+              <a:buFont typeface="Wingdings" panose="05000000000000000000" pitchFamily="2" charset="2"/>
+              <a:buChar char="q"/>
+            </a:pPr>
+            <a:r>
+              <a:rPr lang="en-US" sz="3200" i="1" dirty="0">
+                <a:latin typeface="Cambria" panose="02040503050406030204" pitchFamily="18" charset="0"/>
+                <a:ea typeface="Cambria" panose="02040503050406030204" pitchFamily="18" charset="0"/>
+              </a:rPr>
+              <a:t>Explain about Figures and Tables in detail</a:t>
+            </a:r>
             <a:endParaRPr lang="en-CA" sz="3200" i="1" dirty="0">
               <a:latin typeface="Cambria" panose="02040503050406030204" pitchFamily="18" charset="0"/>
               <a:ea typeface="Cambria" panose="02040503050406030204" pitchFamily="18" charset="0"/>
@@ -6187,7 +6204,7 @@
         </p:nvSpPr>
         <p:spPr>
           <a:xfrm>
-            <a:off x="8382000" y="7387791"/>
+            <a:off x="8382000" y="7727083"/>
             <a:ext cx="7924800" cy="2217017"/>
           </a:xfrm>
           <a:prstGeom prst="rect">
@@ -6462,7 +6479,7 @@
                 <a:latin typeface="Cambria" panose="02040503050406030204" pitchFamily="18" charset="0"/>
                 <a:ea typeface="Cambria" panose="02040503050406030204" pitchFamily="18" charset="0"/>
               </a:rPr>
-              <a:t>Writing Tips: Formatting</a:t>
+              <a:t>1. Formatting</a:t>
             </a:r>
           </a:p>
         </p:txBody>
@@ -6573,7 +6590,7 @@
                 <a:latin typeface="Cambria" panose="02040503050406030204" pitchFamily="18" charset="0"/>
                 <a:ea typeface="Cambria" panose="02040503050406030204" pitchFamily="18" charset="0"/>
               </a:rPr>
-              <a:t>Writing Tips: Formatting</a:t>
+              <a:t>1. Formatting</a:t>
             </a:r>
           </a:p>
         </p:txBody>
@@ -6759,7 +6776,7 @@
                 <a:latin typeface="Cambria" panose="02040503050406030204" pitchFamily="18" charset="0"/>
                 <a:ea typeface="Cambria" panose="02040503050406030204" pitchFamily="18" charset="0"/>
               </a:rPr>
-              <a:t>Writing Tips: Formatting</a:t>
+              <a:t>1. Formatting</a:t>
             </a:r>
           </a:p>
         </p:txBody>
@@ -6945,7 +6962,7 @@
                 <a:latin typeface="Cambria" panose="02040503050406030204" pitchFamily="18" charset="0"/>
                 <a:ea typeface="Cambria" panose="02040503050406030204" pitchFamily="18" charset="0"/>
               </a:rPr>
-              <a:t>Writing Tips: Formatting</a:t>
+              <a:t>1. Formatting</a:t>
             </a:r>
           </a:p>
         </p:txBody>
@@ -7206,7 +7223,7 @@
                 <a:latin typeface="Cambria" panose="02040503050406030204" pitchFamily="18" charset="0"/>
                 <a:ea typeface="Cambria" panose="02040503050406030204" pitchFamily="18" charset="0"/>
               </a:rPr>
-              <a:t>Writing Tips: Formatting</a:t>
+              <a:t>1. Formatting</a:t>
             </a:r>
           </a:p>
         </p:txBody>
@@ -7317,7 +7334,7 @@
                 <a:latin typeface="Cambria" panose="02040503050406030204" pitchFamily="18" charset="0"/>
                 <a:ea typeface="Cambria" panose="02040503050406030204" pitchFamily="18" charset="0"/>
               </a:rPr>
-              <a:t>Writing Tips: Formatting</a:t>
+              <a:t>1. Formatting</a:t>
             </a:r>
           </a:p>
         </p:txBody>
@@ -7941,7 +7958,7 @@
                 <a:latin typeface="Cambria" panose="02040503050406030204" pitchFamily="18" charset="0"/>
                 <a:ea typeface="Cambria" panose="02040503050406030204" pitchFamily="18" charset="0"/>
               </a:rPr>
-              <a:t>Writing Tips: Writing Style &amp; Clarity</a:t>
+              <a:t>2. Writing Style &amp; Clarity</a:t>
             </a:r>
           </a:p>
         </p:txBody>
@@ -8052,7 +8069,7 @@
                 <a:latin typeface="Cambria" panose="02040503050406030204" pitchFamily="18" charset="0"/>
                 <a:ea typeface="Cambria" panose="02040503050406030204" pitchFamily="18" charset="0"/>
               </a:rPr>
-              <a:t>Writing Tips: Writing Style &amp; Clarity</a:t>
+              <a:t>2. Writing Style &amp; Clarity</a:t>
             </a:r>
           </a:p>
         </p:txBody>
@@ -8313,7 +8330,7 @@
                 <a:latin typeface="Cambria" panose="02040503050406030204" pitchFamily="18" charset="0"/>
                 <a:ea typeface="Cambria" panose="02040503050406030204" pitchFamily="18" charset="0"/>
               </a:rPr>
-              <a:t>Writing Tips: Writing Style &amp; Clarity</a:t>
+              <a:t>2. Writing Style &amp; Clarity</a:t>
             </a:r>
           </a:p>
         </p:txBody>
@@ -8469,7 +8486,7 @@
                 <a:latin typeface="Cambria" panose="02040503050406030204" pitchFamily="18" charset="0"/>
                 <a:ea typeface="Cambria" panose="02040503050406030204" pitchFamily="18" charset="0"/>
               </a:rPr>
-              <a:t>Writing Tips: Writing Style &amp; Clarity</a:t>
+              <a:t>2. Writing Style &amp; Clarity</a:t>
             </a:r>
           </a:p>
         </p:txBody>
@@ -8685,7 +8702,7 @@
                 <a:latin typeface="Cambria" panose="02040503050406030204" pitchFamily="18" charset="0"/>
                 <a:ea typeface="Cambria" panose="02040503050406030204" pitchFamily="18" charset="0"/>
               </a:rPr>
-              <a:t>Writing Tips: Writing Style &amp; Clarity</a:t>
+              <a:t>2. Writing Style &amp; Clarity</a:t>
             </a:r>
           </a:p>
         </p:txBody>
@@ -8941,7 +8958,7 @@
                 <a:latin typeface="Cambria" panose="02040503050406030204" pitchFamily="18" charset="0"/>
                 <a:ea typeface="Cambria" panose="02040503050406030204" pitchFamily="18" charset="0"/>
               </a:rPr>
-              <a:t>Writing Tips: Writing Style &amp; Clarity</a:t>
+              <a:t>2. Writing Style &amp; Clarity</a:t>
             </a:r>
           </a:p>
         </p:txBody>
@@ -9003,6 +9020,248 @@
         <p:cNvPr id="1" name="">
           <a:extLst>
             <a:ext uri="{FF2B5EF4-FFF2-40B4-BE49-F238E27FC236}">
+              <a16:creationId xmlns:a16="http://schemas.microsoft.com/office/drawing/2014/main" id="{D612B329-13FA-CAB2-F806-2669BA9D7D0D}"/>
+            </a:ext>
+          </a:extLst>
+        </p:cNvPr>
+        <p:cNvGrpSpPr/>
+        <p:nvPr/>
+      </p:nvGrpSpPr>
+      <p:grpSpPr>
+        <a:xfrm>
+          <a:off x="0" y="0"/>
+          <a:ext cx="0" cy="0"/>
+          <a:chOff x="0" y="0"/>
+          <a:chExt cx="0" cy="0"/>
+        </a:xfrm>
+      </p:grpSpPr>
+      <p:sp>
+        <p:nvSpPr>
+          <p:cNvPr id="4" name="TextBox 3">
+            <a:extLst>
+              <a:ext uri="{FF2B5EF4-FFF2-40B4-BE49-F238E27FC236}">
+                <a16:creationId xmlns:a16="http://schemas.microsoft.com/office/drawing/2014/main" id="{7514F54E-F985-C383-A4C4-44DE0FBA3789}"/>
+              </a:ext>
+            </a:extLst>
+          </p:cNvPr>
+          <p:cNvSpPr txBox="1"/>
+          <p:nvPr/>
+        </p:nvSpPr>
+        <p:spPr>
+          <a:xfrm>
+            <a:off x="152400" y="1790700"/>
+            <a:ext cx="17526000" cy="3694345"/>
+          </a:xfrm>
+          <a:prstGeom prst="rect">
+            <a:avLst/>
+          </a:prstGeom>
+          <a:noFill/>
+        </p:spPr>
+        <p:txBody>
+          <a:bodyPr wrap="square" rtlCol="0">
+            <a:spAutoFit/>
+          </a:bodyPr>
+          <a:lstStyle/>
+          <a:p>
+            <a:pPr marL="457200" indent="-457200">
+              <a:lnSpc>
+                <a:spcPct val="150000"/>
+              </a:lnSpc>
+              <a:buFont typeface="Wingdings" panose="05000000000000000000" pitchFamily="2" charset="2"/>
+              <a:buChar char="q"/>
+            </a:pPr>
+            <a:r>
+              <a:rPr lang="en-US" sz="3200" b="1" i="1" dirty="0">
+                <a:latin typeface="Cambria" panose="02040503050406030204" pitchFamily="18" charset="0"/>
+                <a:ea typeface="Cambria" panose="02040503050406030204" pitchFamily="18" charset="0"/>
+              </a:rPr>
+              <a:t>Explain about Figures and Tables in detail</a:t>
+            </a:r>
+          </a:p>
+          <a:p>
+            <a:pPr>
+              <a:lnSpc>
+                <a:spcPct val="150000"/>
+              </a:lnSpc>
+            </a:pPr>
+            <a:r>
+              <a:rPr lang="en-US" sz="3200" i="1" dirty="0">
+                <a:latin typeface="Cambria" panose="02040503050406030204" pitchFamily="18" charset="0"/>
+                <a:ea typeface="Cambria" panose="02040503050406030204" pitchFamily="18" charset="0"/>
+              </a:rPr>
+              <a:t>		Do not assume the reader already understands your figures or tables. </a:t>
+            </a:r>
+          </a:p>
+          <a:p>
+            <a:pPr>
+              <a:lnSpc>
+                <a:spcPct val="150000"/>
+              </a:lnSpc>
+            </a:pPr>
+            <a:r>
+              <a:rPr lang="en-US" sz="3200" b="1" i="1" dirty="0">
+                <a:latin typeface="Cambria" panose="02040503050406030204" pitchFamily="18" charset="0"/>
+                <a:ea typeface="Cambria" panose="02040503050406030204" pitchFamily="18" charset="0"/>
+              </a:rPr>
+              <a:t>		Explain clearly: </a:t>
+            </a:r>
+          </a:p>
+          <a:p>
+            <a:pPr>
+              <a:lnSpc>
+                <a:spcPct val="150000"/>
+              </a:lnSpc>
+            </a:pPr>
+            <a:r>
+              <a:rPr lang="en-US" sz="3200" i="1" dirty="0">
+                <a:latin typeface="Cambria" panose="02040503050406030204" pitchFamily="18" charset="0"/>
+                <a:ea typeface="Cambria" panose="02040503050406030204" pitchFamily="18" charset="0"/>
+              </a:rPr>
+              <a:t>		For tables → describe what each column and row represents, and highlight the main insight.</a:t>
+            </a:r>
+          </a:p>
+          <a:p>
+            <a:pPr>
+              <a:lnSpc>
+                <a:spcPct val="150000"/>
+              </a:lnSpc>
+            </a:pPr>
+            <a:r>
+              <a:rPr lang="en-US" sz="3200" i="1" dirty="0">
+                <a:latin typeface="Cambria" panose="02040503050406030204" pitchFamily="18" charset="0"/>
+                <a:ea typeface="Cambria" panose="02040503050406030204" pitchFamily="18" charset="0"/>
+              </a:rPr>
+              <a:t>		For figures → explain the legend, axes, colors, symbols, and what the figure shows.</a:t>
+            </a:r>
+          </a:p>
+        </p:txBody>
+      </p:sp>
+      <p:sp>
+        <p:nvSpPr>
+          <p:cNvPr id="21" name="TextBox 20">
+            <a:extLst>
+              <a:ext uri="{FF2B5EF4-FFF2-40B4-BE49-F238E27FC236}">
+                <a16:creationId xmlns:a16="http://schemas.microsoft.com/office/drawing/2014/main" id="{4771D961-C9AF-70C1-5835-441D1AE04772}"/>
+              </a:ext>
+            </a:extLst>
+          </p:cNvPr>
+          <p:cNvSpPr txBox="1"/>
+          <p:nvPr/>
+        </p:nvSpPr>
+        <p:spPr>
+          <a:xfrm>
+            <a:off x="0" y="342900"/>
+            <a:ext cx="18288000" cy="584775"/>
+          </a:xfrm>
+          <a:prstGeom prst="rect">
+            <a:avLst/>
+          </a:prstGeom>
+          <a:noFill/>
+        </p:spPr>
+        <p:txBody>
+          <a:bodyPr wrap="square" rtlCol="0">
+            <a:spAutoFit/>
+          </a:bodyPr>
+          <a:lstStyle/>
+          <a:p>
+            <a:pPr algn="ctr"/>
+            <a:r>
+              <a:rPr lang="en-CA" sz="3200" b="1" i="1" dirty="0">
+                <a:latin typeface="Cambria" panose="02040503050406030204" pitchFamily="18" charset="0"/>
+                <a:ea typeface="Cambria" panose="02040503050406030204" pitchFamily="18" charset="0"/>
+              </a:rPr>
+              <a:t>2. Writing Style &amp; Clarity</a:t>
+            </a:r>
+          </a:p>
+        </p:txBody>
+      </p:sp>
+      <p:pic>
+        <p:nvPicPr>
+          <p:cNvPr id="2" name="Picture 1" descr="A white road with a black background&#10;&#10;AI-generated content may be incorrect.">
+            <a:extLst>
+              <a:ext uri="{FF2B5EF4-FFF2-40B4-BE49-F238E27FC236}">
+                <a16:creationId xmlns:a16="http://schemas.microsoft.com/office/drawing/2014/main" id="{159BD640-DA72-A208-6767-14A9551D7D72}"/>
+              </a:ext>
+            </a:extLst>
+          </p:cNvPr>
+          <p:cNvPicPr>
+            <a:picLocks noChangeAspect="1"/>
+          </p:cNvPicPr>
+          <p:nvPr/>
+        </p:nvPicPr>
+        <p:blipFill>
+          <a:blip r:embed="rId2" cstate="print">
+            <a:extLst>
+              <a:ext uri="{28A0092B-C50C-407E-A947-70E740481C1C}">
+                <a14:useLocalDpi xmlns:a14="http://schemas.microsoft.com/office/drawing/2010/main" val="0"/>
+              </a:ext>
+            </a:extLst>
+          </a:blip>
+          <a:stretch>
+            <a:fillRect/>
+          </a:stretch>
+        </p:blipFill>
+        <p:spPr>
+          <a:xfrm>
+            <a:off x="16805666" y="9029700"/>
+            <a:ext cx="1482334" cy="1257300"/>
+          </a:xfrm>
+          <a:prstGeom prst="rect">
+            <a:avLst/>
+          </a:prstGeom>
+        </p:spPr>
+      </p:pic>
+      <p:pic>
+        <p:nvPicPr>
+          <p:cNvPr id="5" name="Picture 4">
+            <a:extLst>
+              <a:ext uri="{FF2B5EF4-FFF2-40B4-BE49-F238E27FC236}">
+                <a16:creationId xmlns:a16="http://schemas.microsoft.com/office/drawing/2014/main" id="{DEB18283-15DB-BC7E-8AA8-8D58EA55A10F}"/>
+              </a:ext>
+            </a:extLst>
+          </p:cNvPr>
+          <p:cNvPicPr>
+            <a:picLocks noChangeAspect="1"/>
+          </p:cNvPicPr>
+          <p:nvPr/>
+        </p:nvPicPr>
+        <p:blipFill>
+          <a:blip r:embed="rId3"/>
+          <a:stretch>
+            <a:fillRect/>
+          </a:stretch>
+        </p:blipFill>
+        <p:spPr>
+          <a:xfrm>
+            <a:off x="3429000" y="5907218"/>
+            <a:ext cx="11430000" cy="4009718"/>
+          </a:xfrm>
+          <a:prstGeom prst="rect">
+            <a:avLst/>
+          </a:prstGeom>
+        </p:spPr>
+      </p:pic>
+    </p:spTree>
+    <p:extLst>
+      <p:ext uri="{BB962C8B-B14F-4D97-AF65-F5344CB8AC3E}">
+        <p14:creationId xmlns:p14="http://schemas.microsoft.com/office/powerpoint/2010/main" val="1689977865"/>
+      </p:ext>
+    </p:extLst>
+  </p:cSld>
+  <p:clrMapOvr>
+    <a:masterClrMapping/>
+  </p:clrMapOvr>
+</p:sld>
+</file>
+
+<file path=ppt/slides/slide27.xml><?xml version="1.0" encoding="utf-8"?>
+<p:sld xmlns:a="http://schemas.openxmlformats.org/drawingml/2006/main" xmlns:r="http://schemas.openxmlformats.org/officeDocument/2006/relationships" xmlns:p="http://schemas.openxmlformats.org/presentationml/2006/main">
+  <p:cSld>
+    <p:spTree>
+      <p:nvGrpSpPr>
+        <p:cNvPr id="1" name="">
+          <a:extLst>
+            <a:ext uri="{FF2B5EF4-FFF2-40B4-BE49-F238E27FC236}">
               <a16:creationId xmlns:a16="http://schemas.microsoft.com/office/drawing/2014/main" id="{57E0C88C-75D3-E488-0CE3-05C796AA9798}"/>
             </a:ext>
           </a:extLst>
@@ -9052,7 +9311,7 @@
                 <a:latin typeface="Cambria" panose="02040503050406030204" pitchFamily="18" charset="0"/>
                 <a:ea typeface="Cambria" panose="02040503050406030204" pitchFamily="18" charset="0"/>
               </a:rPr>
-              <a:t>Writing Tips: Referencing</a:t>
+              <a:t>3. Referencing</a:t>
             </a:r>
           </a:p>
         </p:txBody>
@@ -9181,7 +9440,7 @@
 </p:sld>
 </file>
 
-<file path=ppt/slides/slide27.xml><?xml version="1.0" encoding="utf-8"?>
+<file path=ppt/slides/slide28.xml><?xml version="1.0" encoding="utf-8"?>
 <p:sld xmlns:a="http://schemas.openxmlformats.org/drawingml/2006/main" xmlns:r="http://schemas.openxmlformats.org/officeDocument/2006/relationships" xmlns:p="http://schemas.openxmlformats.org/presentationml/2006/main">
   <p:cSld>
     <p:spTree>
@@ -9238,7 +9497,7 @@
                 <a:latin typeface="Cambria" panose="02040503050406030204" pitchFamily="18" charset="0"/>
                 <a:ea typeface="Cambria" panose="02040503050406030204" pitchFamily="18" charset="0"/>
               </a:rPr>
-              <a:t>Writing Tips: Referencing</a:t>
+              <a:t>3. Referencing</a:t>
             </a:r>
           </a:p>
         </p:txBody>
@@ -9762,7 +10021,7 @@
 </p:sld>
 </file>
 
-<file path=ppt/slides/slide28.xml><?xml version="1.0" encoding="utf-8"?>
+<file path=ppt/slides/slide29.xml><?xml version="1.0" encoding="utf-8"?>
 <p:sld xmlns:a="http://schemas.openxmlformats.org/drawingml/2006/main" xmlns:r="http://schemas.openxmlformats.org/officeDocument/2006/relationships" xmlns:p="http://schemas.openxmlformats.org/presentationml/2006/main">
   <p:cSld>
     <p:spTree>
